--- a/slides/cds431_week3_2.pptx
+++ b/slides/cds431_week3_2.pptx
@@ -1163,12 +1163,12 @@
         </a:fontRef>
       </dsp:style>
       <dsp:txBody>
-        <a:bodyPr spcFirstLastPara="0" vert="horz" wrap="square" lIns="184912" tIns="184912" rIns="184912" bIns="184912" numCol="1" spcCol="1270" anchor="ctr" anchorCtr="0">
+        <a:bodyPr spcFirstLastPara="0" vert="horz" wrap="square" lIns="177800" tIns="177800" rIns="177800" bIns="177800" numCol="1" spcCol="1270" anchor="ctr" anchorCtr="0">
           <a:noAutofit/>
         </a:bodyPr>
         <a:lstStyle/>
         <a:p>
-          <a:pPr marL="0" lvl="0" indent="0" algn="ctr" defTabSz="1155700">
+          <a:pPr marL="0" lvl="0" indent="0" algn="ctr" defTabSz="1111250">
             <a:lnSpc>
               <a:spcPct val="90000"/>
             </a:lnSpc>
@@ -1181,11 +1181,11 @@
             <a:buNone/>
           </a:pPr>
           <a:r>
-            <a:rPr lang="en-US" sz="2600" kern="1200" dirty="0"/>
+            <a:rPr lang="en-US" sz="2500" kern="1200" dirty="0"/>
             <a:t>3.  </a:t>
           </a:r>
           <a:r>
-            <a:rPr lang="en-US" sz="2600" b="1" kern="1200" dirty="0">
+            <a:rPr lang="en-US" sz="2500" b="1" kern="1200" dirty="0">
               <a:solidFill>
                 <a:srgbClr val="FF0000"/>
               </a:solidFill>
@@ -1270,12 +1270,12 @@
         </a:fontRef>
       </dsp:style>
       <dsp:txBody>
-        <a:bodyPr spcFirstLastPara="0" vert="horz" wrap="square" lIns="184912" tIns="184912" rIns="184912" bIns="184912" numCol="1" spcCol="1270" anchor="ctr" anchorCtr="0">
+        <a:bodyPr spcFirstLastPara="0" vert="horz" wrap="square" lIns="177800" tIns="177800" rIns="177800" bIns="177800" numCol="1" spcCol="1270" anchor="ctr" anchorCtr="0">
           <a:noAutofit/>
         </a:bodyPr>
         <a:lstStyle/>
         <a:p>
-          <a:pPr marL="0" lvl="0" indent="0" algn="ctr" defTabSz="1155700">
+          <a:pPr marL="0" lvl="0" indent="0" algn="ctr" defTabSz="1111250">
             <a:lnSpc>
               <a:spcPct val="90000"/>
             </a:lnSpc>
@@ -1288,14 +1288,14 @@
             <a:buNone/>
           </a:pPr>
           <a:r>
-            <a:rPr lang="en-US" sz="2600" kern="1200" dirty="0"/>
+            <a:rPr lang="en-US" sz="2500" kern="1200" dirty="0"/>
             <a:t>2.  Designing</a:t>
           </a:r>
           <a:r>
-            <a:rPr lang="en-US" sz="2600" kern="1200" baseline="0" dirty="0"/>
+            <a:rPr lang="en-US" sz="2500" kern="1200" baseline="0" dirty="0"/>
             <a:t> and Administering the Assessment Protocol</a:t>
           </a:r>
-          <a:endParaRPr lang="en-US" sz="2600" kern="1200" dirty="0"/>
+          <a:endParaRPr lang="en-US" sz="2500" kern="1200" dirty="0"/>
         </a:p>
       </dsp:txBody>
       <dsp:txXfrm rot="10800000">
@@ -1374,12 +1374,12 @@
         </a:fontRef>
       </dsp:style>
       <dsp:txBody>
-        <a:bodyPr spcFirstLastPara="0" vert="horz" wrap="square" lIns="184912" tIns="184912" rIns="184912" bIns="184912" numCol="1" spcCol="1270" anchor="ctr" anchorCtr="0">
+        <a:bodyPr spcFirstLastPara="0" vert="horz" wrap="square" lIns="177800" tIns="177800" rIns="177800" bIns="177800" numCol="1" spcCol="1270" anchor="ctr" anchorCtr="0">
           <a:noAutofit/>
         </a:bodyPr>
         <a:lstStyle/>
         <a:p>
-          <a:pPr marL="0" lvl="0" indent="0" algn="ctr" defTabSz="1155700">
+          <a:pPr marL="0" lvl="0" indent="0" algn="ctr" defTabSz="1111250">
             <a:lnSpc>
               <a:spcPct val="90000"/>
             </a:lnSpc>
@@ -1392,11 +1392,11 @@
             <a:buNone/>
           </a:pPr>
           <a:r>
-            <a:rPr lang="en-US" sz="2600" kern="1200" dirty="0"/>
+            <a:rPr lang="en-US" sz="2500" kern="1200" dirty="0"/>
             <a:t>1.  </a:t>
           </a:r>
           <a:r>
-            <a:rPr lang="en-US" sz="2600" b="0" kern="1200" dirty="0">
+            <a:rPr lang="en-US" sz="2500" b="0" kern="1200" dirty="0">
               <a:solidFill>
                 <a:schemeClr val="bg1"/>
               </a:solidFill>
@@ -2883,7 +2883,7 @@
           <a:p>
             <a:fld id="{C22B0A3F-E2F6-9D4C-AD6C-C2E43FD465E2}" type="datetimeFigureOut">
               <a:rPr lang="en-US" smtClean="0"/>
-              <a:t>1/11/22</a:t>
+              <a:t>1/12/22</a:t>
             </a:fld>
             <a:endParaRPr lang="en-US"/>
           </a:p>
@@ -3636,7 +3636,7 @@
           <a:p>
             <a:fld id="{DC1A57CB-4E98-3446-826D-F89B08FA47A8}" type="datetimeFigureOut">
               <a:rPr lang="en-US" smtClean="0"/>
-              <a:t>1/11/22</a:t>
+              <a:t>1/12/22</a:t>
             </a:fld>
             <a:endParaRPr lang="en-US"/>
           </a:p>
@@ -3834,7 +3834,7 @@
           <a:p>
             <a:fld id="{DC1A57CB-4E98-3446-826D-F89B08FA47A8}" type="datetimeFigureOut">
               <a:rPr lang="en-US" smtClean="0"/>
-              <a:t>1/11/22</a:t>
+              <a:t>1/12/22</a:t>
             </a:fld>
             <a:endParaRPr lang="en-US"/>
           </a:p>
@@ -4042,7 +4042,7 @@
           <a:p>
             <a:fld id="{DC1A57CB-4E98-3446-826D-F89B08FA47A8}" type="datetimeFigureOut">
               <a:rPr lang="en-US" smtClean="0"/>
-              <a:t>1/11/22</a:t>
+              <a:t>1/12/22</a:t>
             </a:fld>
             <a:endParaRPr lang="en-US"/>
           </a:p>
@@ -4240,7 +4240,7 @@
           <a:p>
             <a:fld id="{DC1A57CB-4E98-3446-826D-F89B08FA47A8}" type="datetimeFigureOut">
               <a:rPr lang="en-US" smtClean="0"/>
-              <a:t>1/11/22</a:t>
+              <a:t>1/12/22</a:t>
             </a:fld>
             <a:endParaRPr lang="en-US"/>
           </a:p>
@@ -4515,7 +4515,7 @@
           <a:p>
             <a:fld id="{DC1A57CB-4E98-3446-826D-F89B08FA47A8}" type="datetimeFigureOut">
               <a:rPr lang="en-US" smtClean="0"/>
-              <a:t>1/11/22</a:t>
+              <a:t>1/12/22</a:t>
             </a:fld>
             <a:endParaRPr lang="en-US"/>
           </a:p>
@@ -4780,7 +4780,7 @@
           <a:p>
             <a:fld id="{DC1A57CB-4E98-3446-826D-F89B08FA47A8}" type="datetimeFigureOut">
               <a:rPr lang="en-US" smtClean="0"/>
-              <a:t>1/11/22</a:t>
+              <a:t>1/12/22</a:t>
             </a:fld>
             <a:endParaRPr lang="en-US"/>
           </a:p>
@@ -5192,7 +5192,7 @@
           <a:p>
             <a:fld id="{DC1A57CB-4E98-3446-826D-F89B08FA47A8}" type="datetimeFigureOut">
               <a:rPr lang="en-US" smtClean="0"/>
-              <a:t>1/11/22</a:t>
+              <a:t>1/12/22</a:t>
             </a:fld>
             <a:endParaRPr lang="en-US"/>
           </a:p>
@@ -5333,7 +5333,7 @@
           <a:p>
             <a:fld id="{DC1A57CB-4E98-3446-826D-F89B08FA47A8}" type="datetimeFigureOut">
               <a:rPr lang="en-US" smtClean="0"/>
-              <a:t>1/11/22</a:t>
+              <a:t>1/12/22</a:t>
             </a:fld>
             <a:endParaRPr lang="en-US"/>
           </a:p>
@@ -5446,7 +5446,7 @@
           <a:p>
             <a:fld id="{DC1A57CB-4E98-3446-826D-F89B08FA47A8}" type="datetimeFigureOut">
               <a:rPr lang="en-US" smtClean="0"/>
-              <a:t>1/11/22</a:t>
+              <a:t>1/12/22</a:t>
             </a:fld>
             <a:endParaRPr lang="en-US"/>
           </a:p>
@@ -5757,7 +5757,7 @@
           <a:p>
             <a:fld id="{DC1A57CB-4E98-3446-826D-F89B08FA47A8}" type="datetimeFigureOut">
               <a:rPr lang="en-US" smtClean="0"/>
-              <a:t>1/11/22</a:t>
+              <a:t>1/12/22</a:t>
             </a:fld>
             <a:endParaRPr lang="en-US"/>
           </a:p>
@@ -6045,7 +6045,7 @@
           <a:p>
             <a:fld id="{DC1A57CB-4E98-3446-826D-F89B08FA47A8}" type="datetimeFigureOut">
               <a:rPr lang="en-US" smtClean="0"/>
-              <a:t>1/11/22</a:t>
+              <a:t>1/12/22</a:t>
             </a:fld>
             <a:endParaRPr lang="en-US"/>
           </a:p>
@@ -6316,7 +6316,7 @@
           <a:p>
             <a:fld id="{DC1A57CB-4E98-3446-826D-F89B08FA47A8}" type="datetimeFigureOut">
               <a:rPr lang="en-US" smtClean="0"/>
-              <a:t>1/11/22</a:t>
+              <a:t>1/12/22</a:t>
             </a:fld>
             <a:endParaRPr lang="en-US"/>
           </a:p>
@@ -7407,7 +7407,7 @@
         </p:nvGraphicFramePr>
         <p:xfrm>
           <a:off x="1680755" y="965926"/>
-          <a:ext cx="8669193" cy="5573649"/>
+          <a:ext cx="8669193" cy="5712618"/>
         </p:xfrm>
         <a:graphic>
           <a:graphicData uri="http://schemas.openxmlformats.org/drawingml/2006/table">
@@ -7833,55 +7833,6 @@
           </a:graphicData>
         </a:graphic>
       </p:graphicFrame>
-      <p:sp>
-        <p:nvSpPr>
-          <p:cNvPr id="4" name="Oval 3">
-            <a:extLst>
-              <a:ext uri="{FF2B5EF4-FFF2-40B4-BE49-F238E27FC236}">
-                <a16:creationId xmlns:a16="http://schemas.microsoft.com/office/drawing/2014/main" id="{E34299B2-16E5-EF4E-AF12-AE328EB916A9}"/>
-              </a:ext>
-            </a:extLst>
-          </p:cNvPr>
-          <p:cNvSpPr/>
-          <p:nvPr/>
-        </p:nvSpPr>
-        <p:spPr>
-          <a:xfrm>
-            <a:off x="1755494" y="208345"/>
-            <a:ext cx="486136" cy="472693"/>
-          </a:xfrm>
-          <a:prstGeom prst="ellipse">
-            <a:avLst/>
-          </a:prstGeom>
-          <a:solidFill>
-            <a:srgbClr val="00B050"/>
-          </a:solidFill>
-        </p:spPr>
-        <p:style>
-          <a:lnRef idx="2">
-            <a:schemeClr val="accent1">
-              <a:shade val="50000"/>
-            </a:schemeClr>
-          </a:lnRef>
-          <a:fillRef idx="1">
-            <a:schemeClr val="accent1"/>
-          </a:fillRef>
-          <a:effectRef idx="0">
-            <a:schemeClr val="accent1"/>
-          </a:effectRef>
-          <a:fontRef idx="minor">
-            <a:schemeClr val="lt1"/>
-          </a:fontRef>
-        </p:style>
-        <p:txBody>
-          <a:bodyPr rtlCol="0" anchor="ctr"/>
-          <a:lstStyle/>
-          <a:p>
-            <a:pPr algn="ctr"/>
-            <a:endParaRPr lang="en-US"/>
-          </a:p>
-        </p:txBody>
-      </p:sp>
     </p:spTree>
     <p:extLst>
       <p:ext uri="{BB962C8B-B14F-4D97-AF65-F5344CB8AC3E}">
@@ -8254,8 +8205,8 @@
         </p:nvSpPr>
         <p:spPr>
           <a:xfrm>
-            <a:off x="2152650" y="153092"/>
-            <a:ext cx="7886700" cy="1325563"/>
+            <a:off x="1524000" y="153092"/>
+            <a:ext cx="9231630" cy="1325563"/>
           </a:xfrm>
           <a:solidFill>
             <a:schemeClr val="bg2">

--- a/slides/cds431_week3_2.pptx
+++ b/slides/cds431_week3_2.pptx
@@ -5,7 +5,7 @@
     <p:sldMasterId id="2147483648" r:id="rId1"/>
   </p:sldMasterIdLst>
   <p:notesMasterIdLst>
-    <p:notesMasterId r:id="rId12"/>
+    <p:notesMasterId r:id="rId11"/>
   </p:notesMasterIdLst>
   <p:sldIdLst>
     <p:sldId id="519" r:id="rId2"/>
@@ -15,9 +15,8 @@
     <p:sldId id="520" r:id="rId6"/>
     <p:sldId id="401" r:id="rId7"/>
     <p:sldId id="398" r:id="rId8"/>
-    <p:sldId id="399" r:id="rId9"/>
-    <p:sldId id="521" r:id="rId10"/>
-    <p:sldId id="522" r:id="rId11"/>
+    <p:sldId id="521" r:id="rId9"/>
+    <p:sldId id="399" r:id="rId10"/>
   </p:sldIdLst>
   <p:sldSz cx="12192000" cy="6858000"/>
   <p:notesSz cx="6858000" cy="9144000"/>
@@ -2883,7 +2882,7 @@
           <a:p>
             <a:fld id="{C22B0A3F-E2F6-9D4C-AD6C-C2E43FD465E2}" type="datetimeFigureOut">
               <a:rPr lang="en-US" smtClean="0"/>
-              <a:t>1/12/22</a:t>
+              <a:t>1/14/22</a:t>
             </a:fld>
             <a:endParaRPr lang="en-US"/>
           </a:p>
@@ -3636,7 +3635,7 @@
           <a:p>
             <a:fld id="{DC1A57CB-4E98-3446-826D-F89B08FA47A8}" type="datetimeFigureOut">
               <a:rPr lang="en-US" smtClean="0"/>
-              <a:t>1/12/22</a:t>
+              <a:t>1/14/22</a:t>
             </a:fld>
             <a:endParaRPr lang="en-US"/>
           </a:p>
@@ -3834,7 +3833,7 @@
           <a:p>
             <a:fld id="{DC1A57CB-4E98-3446-826D-F89B08FA47A8}" type="datetimeFigureOut">
               <a:rPr lang="en-US" smtClean="0"/>
-              <a:t>1/12/22</a:t>
+              <a:t>1/14/22</a:t>
             </a:fld>
             <a:endParaRPr lang="en-US"/>
           </a:p>
@@ -4042,7 +4041,7 @@
           <a:p>
             <a:fld id="{DC1A57CB-4E98-3446-826D-F89B08FA47A8}" type="datetimeFigureOut">
               <a:rPr lang="en-US" smtClean="0"/>
-              <a:t>1/12/22</a:t>
+              <a:t>1/14/22</a:t>
             </a:fld>
             <a:endParaRPr lang="en-US"/>
           </a:p>
@@ -4240,7 +4239,7 @@
           <a:p>
             <a:fld id="{DC1A57CB-4E98-3446-826D-F89B08FA47A8}" type="datetimeFigureOut">
               <a:rPr lang="en-US" smtClean="0"/>
-              <a:t>1/12/22</a:t>
+              <a:t>1/14/22</a:t>
             </a:fld>
             <a:endParaRPr lang="en-US"/>
           </a:p>
@@ -4515,7 +4514,7 @@
           <a:p>
             <a:fld id="{DC1A57CB-4E98-3446-826D-F89B08FA47A8}" type="datetimeFigureOut">
               <a:rPr lang="en-US" smtClean="0"/>
-              <a:t>1/12/22</a:t>
+              <a:t>1/14/22</a:t>
             </a:fld>
             <a:endParaRPr lang="en-US"/>
           </a:p>
@@ -4780,7 +4779,7 @@
           <a:p>
             <a:fld id="{DC1A57CB-4E98-3446-826D-F89B08FA47A8}" type="datetimeFigureOut">
               <a:rPr lang="en-US" smtClean="0"/>
-              <a:t>1/12/22</a:t>
+              <a:t>1/14/22</a:t>
             </a:fld>
             <a:endParaRPr lang="en-US"/>
           </a:p>
@@ -5192,7 +5191,7 @@
           <a:p>
             <a:fld id="{DC1A57CB-4E98-3446-826D-F89B08FA47A8}" type="datetimeFigureOut">
               <a:rPr lang="en-US" smtClean="0"/>
-              <a:t>1/12/22</a:t>
+              <a:t>1/14/22</a:t>
             </a:fld>
             <a:endParaRPr lang="en-US"/>
           </a:p>
@@ -5333,7 +5332,7 @@
           <a:p>
             <a:fld id="{DC1A57CB-4E98-3446-826D-F89B08FA47A8}" type="datetimeFigureOut">
               <a:rPr lang="en-US" smtClean="0"/>
-              <a:t>1/12/22</a:t>
+              <a:t>1/14/22</a:t>
             </a:fld>
             <a:endParaRPr lang="en-US"/>
           </a:p>
@@ -5446,7 +5445,7 @@
           <a:p>
             <a:fld id="{DC1A57CB-4E98-3446-826D-F89B08FA47A8}" type="datetimeFigureOut">
               <a:rPr lang="en-US" smtClean="0"/>
-              <a:t>1/12/22</a:t>
+              <a:t>1/14/22</a:t>
             </a:fld>
             <a:endParaRPr lang="en-US"/>
           </a:p>
@@ -5757,7 +5756,7 @@
           <a:p>
             <a:fld id="{DC1A57CB-4E98-3446-826D-F89B08FA47A8}" type="datetimeFigureOut">
               <a:rPr lang="en-US" smtClean="0"/>
-              <a:t>1/12/22</a:t>
+              <a:t>1/14/22</a:t>
             </a:fld>
             <a:endParaRPr lang="en-US"/>
           </a:p>
@@ -6045,7 +6044,7 @@
           <a:p>
             <a:fld id="{DC1A57CB-4E98-3446-826D-F89B08FA47A8}" type="datetimeFigureOut">
               <a:rPr lang="en-US" smtClean="0"/>
-              <a:t>1/12/22</a:t>
+              <a:t>1/14/22</a:t>
             </a:fld>
             <a:endParaRPr lang="en-US"/>
           </a:p>
@@ -6316,7 +6315,7 @@
           <a:p>
             <a:fld id="{DC1A57CB-4E98-3446-826D-F89B08FA47A8}" type="datetimeFigureOut">
               <a:rPr lang="en-US" smtClean="0"/>
-              <a:t>1/12/22</a:t>
+              <a:t>1/14/22</a:t>
             </a:fld>
             <a:endParaRPr lang="en-US"/>
           </a:p>
@@ -6767,142 +6766,6 @@
     <p:extLst>
       <p:ext uri="{BB962C8B-B14F-4D97-AF65-F5344CB8AC3E}">
         <p14:creationId xmlns:p14="http://schemas.microsoft.com/office/powerpoint/2010/main" val="1385663705"/>
-      </p:ext>
-    </p:extLst>
-  </p:cSld>
-  <p:clrMapOvr>
-    <a:masterClrMapping/>
-  </p:clrMapOvr>
-</p:sld>
-</file>
-
-<file path=ppt/slides/slide10.xml><?xml version="1.0" encoding="utf-8"?>
-<p:sld xmlns:a="http://schemas.openxmlformats.org/drawingml/2006/main" xmlns:r="http://schemas.openxmlformats.org/officeDocument/2006/relationships" xmlns:p="http://schemas.openxmlformats.org/presentationml/2006/main">
-  <p:cSld>
-    <p:spTree>
-      <p:nvGrpSpPr>
-        <p:cNvPr id="1" name=""/>
-        <p:cNvGrpSpPr/>
-        <p:nvPr/>
-      </p:nvGrpSpPr>
-      <p:grpSpPr>
-        <a:xfrm>
-          <a:off x="0" y="0"/>
-          <a:ext cx="0" cy="0"/>
-          <a:chOff x="0" y="0"/>
-          <a:chExt cx="0" cy="0"/>
-        </a:xfrm>
-      </p:grpSpPr>
-      <p:sp>
-        <p:nvSpPr>
-          <p:cNvPr id="2" name="Title 1"/>
-          <p:cNvSpPr>
-            <a:spLocks noGrp="1"/>
-          </p:cNvSpPr>
-          <p:nvPr>
-            <p:ph type="title"/>
-          </p:nvPr>
-        </p:nvSpPr>
-        <p:spPr/>
-        <p:txBody>
-          <a:bodyPr/>
-          <a:lstStyle/>
-          <a:p>
-            <a:r>
-              <a:rPr lang="en-US" b="1" dirty="0">
-                <a:solidFill>
-                  <a:srgbClr val="FF0000"/>
-                </a:solidFill>
-              </a:rPr>
-              <a:t>Activity #11: Diagnosis and Therapy Needs</a:t>
-            </a:r>
-            <a:r>
-              <a:rPr lang="en-US" b="1" dirty="0">
-                <a:solidFill>
-                  <a:srgbClr val="FF0000"/>
-                </a:solidFill>
-                <a:effectLst/>
-              </a:rPr>
-              <a:t> </a:t>
-            </a:r>
-            <a:endParaRPr lang="en-US" b="1" dirty="0">
-              <a:solidFill>
-                <a:srgbClr val="FF0000"/>
-              </a:solidFill>
-            </a:endParaRPr>
-          </a:p>
-        </p:txBody>
-      </p:sp>
-      <p:sp>
-        <p:nvSpPr>
-          <p:cNvPr id="3" name="Content Placeholder 2"/>
-          <p:cNvSpPr>
-            <a:spLocks noGrp="1"/>
-          </p:cNvSpPr>
-          <p:nvPr>
-            <p:ph idx="1"/>
-          </p:nvPr>
-        </p:nvSpPr>
-        <p:spPr/>
-        <p:txBody>
-          <a:bodyPr>
-            <a:normAutofit/>
-          </a:bodyPr>
-          <a:lstStyle/>
-          <a:p>
-            <a:r>
-              <a:rPr lang="en-US" sz="2400" dirty="0"/>
-              <a:t>What is Matthew’s communication diagnosis?  Is it </a:t>
-            </a:r>
-            <a:r>
-              <a:rPr lang="en-US" sz="2400" dirty="0">
-                <a:solidFill>
-                  <a:srgbClr val="7030A0"/>
-                </a:solidFill>
-              </a:rPr>
-              <a:t>primary</a:t>
-            </a:r>
-            <a:r>
-              <a:rPr lang="en-US" sz="2400" dirty="0"/>
-              <a:t> or </a:t>
-            </a:r>
-            <a:r>
-              <a:rPr lang="en-US" sz="2400" dirty="0">
-                <a:solidFill>
-                  <a:srgbClr val="7030A0"/>
-                </a:solidFill>
-              </a:rPr>
-              <a:t>secondary</a:t>
-            </a:r>
-            <a:r>
-              <a:rPr lang="en-US" sz="2400" dirty="0"/>
-              <a:t>?	</a:t>
-            </a:r>
-          </a:p>
-          <a:p>
-            <a:r>
-              <a:rPr lang="en-US" sz="2400" dirty="0"/>
-              <a:t>Do you think Matthew needs additional therapy (above what he is receiving at Early Childhood CARES)?  Why/ Why not?</a:t>
-            </a:r>
-          </a:p>
-          <a:p>
-            <a:r>
-              <a:rPr lang="en-US" sz="2400" dirty="0"/>
-              <a:t>What skills would you, as Matthew’s SLP, want to target in therapy?  What would would be the goals of your therapy (you don’t need to write them in goal format- we’ll do that next week)</a:t>
-            </a:r>
-          </a:p>
-          <a:p>
-            <a:r>
-              <a:rPr lang="en-US" sz="2400" dirty="0"/>
-              <a:t>What else do you want to keep in mind as you plan Matthew’s treatment?</a:t>
-            </a:r>
-          </a:p>
-        </p:txBody>
-      </p:sp>
-    </p:spTree>
-    <p:extLst>
-      <p:ext uri="{BB962C8B-B14F-4D97-AF65-F5344CB8AC3E}">
-        <p14:creationId xmlns:p14="http://schemas.microsoft.com/office/powerpoint/2010/main" val="1180423167"/>
       </p:ext>
     </p:extLst>
   </p:cSld>
@@ -8053,7 +7916,13 @@
       </p:grpSpPr>
       <p:sp>
         <p:nvSpPr>
-          <p:cNvPr id="2" name="Title 1"/>
+          <p:cNvPr id="2" name="Title 1">
+            <a:extLst>
+              <a:ext uri="{FF2B5EF4-FFF2-40B4-BE49-F238E27FC236}">
+                <a16:creationId xmlns:a16="http://schemas.microsoft.com/office/drawing/2014/main" id="{2796FCA2-75A2-8A4D-B3B4-C21462840D2B}"/>
+              </a:ext>
+            </a:extLst>
+          </p:cNvPr>
           <p:cNvSpPr>
             <a:spLocks noGrp="1"/>
           </p:cNvSpPr>
@@ -8061,106 +7930,158 @@
             <p:ph type="title"/>
           </p:nvPr>
         </p:nvSpPr>
-        <p:spPr/>
-        <p:txBody>
-          <a:bodyPr/>
-          <a:lstStyle/>
-          <a:p>
-            <a:r>
-              <a:rPr lang="en-US" b="1" dirty="0">
-                <a:solidFill>
-                  <a:srgbClr val="FF0000"/>
-                </a:solidFill>
-              </a:rPr>
-              <a:t>Activity #11: Diagnosis and Therapy Needs</a:t>
-            </a:r>
-            <a:r>
-              <a:rPr lang="en-US" b="1" dirty="0">
-                <a:solidFill>
-                  <a:srgbClr val="FF0000"/>
-                </a:solidFill>
-                <a:effectLst/>
-              </a:rPr>
-              <a:t> </a:t>
-            </a:r>
-            <a:endParaRPr lang="en-US" b="1" dirty="0">
-              <a:solidFill>
-                <a:srgbClr val="FF0000"/>
-              </a:solidFill>
-            </a:endParaRPr>
-          </a:p>
-        </p:txBody>
-      </p:sp>
-      <p:sp>
-        <p:nvSpPr>
-          <p:cNvPr id="3" name="Content Placeholder 2"/>
-          <p:cNvSpPr>
-            <a:spLocks noGrp="1"/>
-          </p:cNvSpPr>
-          <p:nvPr>
-            <p:ph idx="1"/>
-          </p:nvPr>
-        </p:nvSpPr>
-        <p:spPr/>
+        <p:spPr>
+          <a:xfrm>
+            <a:off x="1524000" y="153092"/>
+            <a:ext cx="9231630" cy="1325563"/>
+          </a:xfrm>
+          <a:solidFill>
+            <a:schemeClr val="bg2">
+              <a:lumMod val="90000"/>
+            </a:schemeClr>
+          </a:solidFill>
+        </p:spPr>
         <p:txBody>
           <a:bodyPr>
-            <a:normAutofit/>
+            <a:normAutofit fontScale="90000"/>
           </a:bodyPr>
           <a:lstStyle/>
           <a:p>
-            <a:r>
-              <a:rPr lang="en-US" sz="2400" dirty="0"/>
-              <a:t>What is Matthew’s communication diagnosis?  Is it </a:t>
-            </a:r>
-            <a:r>
-              <a:rPr lang="en-US" sz="2400" b="1" dirty="0">
-                <a:solidFill>
-                  <a:srgbClr val="7030A0"/>
-                </a:solidFill>
-              </a:rPr>
-              <a:t>primary</a:t>
-            </a:r>
-            <a:r>
-              <a:rPr lang="en-US" sz="2400" dirty="0"/>
-              <a:t> or </a:t>
-            </a:r>
-            <a:r>
-              <a:rPr lang="en-US" sz="2400" b="1" dirty="0">
-                <a:solidFill>
-                  <a:srgbClr val="7030A0"/>
-                </a:solidFill>
-              </a:rPr>
-              <a:t>secondary</a:t>
-            </a:r>
-            <a:r>
-              <a:rPr lang="en-US" sz="2400" dirty="0"/>
-              <a:t>?	</a:t>
-            </a:r>
-          </a:p>
-          <a:p>
-            <a:r>
-              <a:rPr lang="en-US" sz="2400" dirty="0"/>
-              <a:t>Do you think Matthew needs additional therapy (above what he is receiving at Early Childhood CARES)?  Why/ Why not?</a:t>
-            </a:r>
-          </a:p>
-          <a:p>
-            <a:r>
-              <a:rPr lang="en-US" sz="2400" dirty="0"/>
-              <a:t>What skills would you, as Matthew’s SLP, want to target in therapy?  What would would be the goals of your therapy (you don’t need to write them in goal format- we’ll do that next week)</a:t>
-            </a:r>
-          </a:p>
-          <a:p>
-            <a:r>
-              <a:rPr lang="en-US" sz="2400" dirty="0"/>
-              <a:t>What else do you want to keep in mind as you plan Matthew’s treatment?</a:t>
-            </a:r>
+            <a:pPr algn="ctr"/>
+            <a:r>
+              <a:rPr lang="en-US" dirty="0"/>
+              <a:t>Oregon</a:t>
+            </a:r>
+            <a:br>
+              <a:rPr lang="en-US" dirty="0"/>
+            </a:br>
+            <a:r>
+              <a:rPr lang="en-US" dirty="0"/>
+              <a:t>Special Education Eligibilities: School-Age</a:t>
+            </a:r>
+          </a:p>
+        </p:txBody>
+      </p:sp>
+      <p:sp>
+        <p:nvSpPr>
+          <p:cNvPr id="3" name="TextBox 2">
+            <a:extLst>
+              <a:ext uri="{FF2B5EF4-FFF2-40B4-BE49-F238E27FC236}">
+                <a16:creationId xmlns:a16="http://schemas.microsoft.com/office/drawing/2014/main" id="{0A3B8C10-1E99-7F4F-AB47-2ED3B648A641}"/>
+              </a:ext>
+            </a:extLst>
+          </p:cNvPr>
+          <p:cNvSpPr txBox="1"/>
+          <p:nvPr/>
+        </p:nvSpPr>
+        <p:spPr>
+          <a:xfrm>
+            <a:off x="2006876" y="1478654"/>
+            <a:ext cx="8515350" cy="5539978"/>
+          </a:xfrm>
+          <a:prstGeom prst="rect">
+            <a:avLst/>
+          </a:prstGeom>
+          <a:noFill/>
+        </p:spPr>
+        <p:txBody>
+          <a:bodyPr wrap="square" rtlCol="0">
+            <a:spAutoFit/>
+          </a:bodyPr>
+          <a:lstStyle/>
+          <a:p>
+            <a:pPr algn="ctr"/>
+            <a:r>
+              <a:rPr lang="en-US" sz="2800" dirty="0"/>
+              <a:t>Developmental Delay (ages 3-5 and 5-9)</a:t>
+            </a:r>
+          </a:p>
+          <a:p>
+            <a:pPr algn="ctr"/>
+            <a:r>
+              <a:rPr lang="en-US" sz="2800" dirty="0"/>
+              <a:t>Autism Spectrum Disorder (82) </a:t>
+            </a:r>
+          </a:p>
+          <a:p>
+            <a:pPr algn="ctr"/>
+            <a:r>
+              <a:rPr lang="en-US" sz="2800" dirty="0"/>
+              <a:t>Communication Disorder (50) </a:t>
+            </a:r>
+          </a:p>
+          <a:p>
+            <a:pPr algn="ctr"/>
+            <a:r>
+              <a:rPr lang="en-US" sz="2800" dirty="0"/>
+              <a:t>Deaf-blindness (43) </a:t>
+            </a:r>
+          </a:p>
+          <a:p>
+            <a:pPr algn="ctr"/>
+            <a:r>
+              <a:rPr lang="en-US" sz="2800" dirty="0"/>
+              <a:t>Emotional Disturbance (60) </a:t>
+            </a:r>
+          </a:p>
+          <a:p>
+            <a:pPr algn="ctr"/>
+            <a:r>
+              <a:rPr lang="en-US" sz="2800" dirty="0"/>
+              <a:t>Hearing Impairment (20) </a:t>
+            </a:r>
+          </a:p>
+          <a:p>
+            <a:pPr algn="ctr"/>
+            <a:r>
+              <a:rPr lang="en-US" sz="2800" dirty="0"/>
+              <a:t>Intellectual Disability (10) </a:t>
+            </a:r>
+          </a:p>
+          <a:p>
+            <a:pPr algn="ctr"/>
+            <a:r>
+              <a:rPr lang="en-US" sz="2800" dirty="0"/>
+              <a:t>Orthopedic Impairment (70) </a:t>
+            </a:r>
+          </a:p>
+          <a:p>
+            <a:pPr algn="ctr"/>
+            <a:r>
+              <a:rPr lang="en-US" sz="2800" dirty="0"/>
+              <a:t>Other Health Impairment (80) </a:t>
+            </a:r>
+          </a:p>
+          <a:p>
+            <a:pPr algn="ctr"/>
+            <a:r>
+              <a:rPr lang="en-US" sz="2800" dirty="0"/>
+              <a:t>Specific Learning Disability (90) </a:t>
+            </a:r>
+          </a:p>
+          <a:p>
+            <a:pPr algn="ctr"/>
+            <a:r>
+              <a:rPr lang="en-US" sz="2800" dirty="0"/>
+              <a:t>Traumatic Brain Injury (74) </a:t>
+            </a:r>
+          </a:p>
+          <a:p>
+            <a:pPr algn="ctr"/>
+            <a:r>
+              <a:rPr lang="en-US" sz="2800" dirty="0"/>
+              <a:t>Vision Impairment (40)</a:t>
+            </a:r>
+          </a:p>
+          <a:p>
+            <a:endParaRPr lang="en-US" dirty="0"/>
           </a:p>
         </p:txBody>
       </p:sp>
     </p:spTree>
     <p:extLst>
       <p:ext uri="{BB962C8B-B14F-4D97-AF65-F5344CB8AC3E}">
-        <p14:creationId xmlns:p14="http://schemas.microsoft.com/office/powerpoint/2010/main" val="950261008"/>
+        <p14:creationId xmlns:p14="http://schemas.microsoft.com/office/powerpoint/2010/main" val="2075188700"/>
       </p:ext>
     </p:extLst>
   </p:cSld>
@@ -8189,13 +8110,7 @@
       </p:grpSpPr>
       <p:sp>
         <p:nvSpPr>
-          <p:cNvPr id="2" name="Title 1">
-            <a:extLst>
-              <a:ext uri="{FF2B5EF4-FFF2-40B4-BE49-F238E27FC236}">
-                <a16:creationId xmlns:a16="http://schemas.microsoft.com/office/drawing/2014/main" id="{2796FCA2-75A2-8A4D-B3B4-C21462840D2B}"/>
-              </a:ext>
-            </a:extLst>
-          </p:cNvPr>
+          <p:cNvPr id="2" name="Title 1"/>
           <p:cNvSpPr>
             <a:spLocks noGrp="1"/>
           </p:cNvSpPr>
@@ -8203,158 +8118,106 @@
             <p:ph type="title"/>
           </p:nvPr>
         </p:nvSpPr>
-        <p:spPr>
-          <a:xfrm>
-            <a:off x="1524000" y="153092"/>
-            <a:ext cx="9231630" cy="1325563"/>
-          </a:xfrm>
-          <a:solidFill>
-            <a:schemeClr val="bg2">
-              <a:lumMod val="90000"/>
-            </a:schemeClr>
-          </a:solidFill>
-        </p:spPr>
+        <p:spPr/>
+        <p:txBody>
+          <a:bodyPr/>
+          <a:lstStyle/>
+          <a:p>
+            <a:r>
+              <a:rPr lang="en-US" b="1" dirty="0">
+                <a:solidFill>
+                  <a:srgbClr val="FF0000"/>
+                </a:solidFill>
+              </a:rPr>
+              <a:t>Activity #11: Diagnosis and Therapy Needs</a:t>
+            </a:r>
+            <a:r>
+              <a:rPr lang="en-US" b="1" dirty="0">
+                <a:solidFill>
+                  <a:srgbClr val="FF0000"/>
+                </a:solidFill>
+                <a:effectLst/>
+              </a:rPr>
+              <a:t> </a:t>
+            </a:r>
+            <a:endParaRPr lang="en-US" b="1" dirty="0">
+              <a:solidFill>
+                <a:srgbClr val="FF0000"/>
+              </a:solidFill>
+            </a:endParaRPr>
+          </a:p>
+        </p:txBody>
+      </p:sp>
+      <p:sp>
+        <p:nvSpPr>
+          <p:cNvPr id="3" name="Content Placeholder 2"/>
+          <p:cNvSpPr>
+            <a:spLocks noGrp="1"/>
+          </p:cNvSpPr>
+          <p:nvPr>
+            <p:ph idx="1"/>
+          </p:nvPr>
+        </p:nvSpPr>
+        <p:spPr/>
         <p:txBody>
           <a:bodyPr>
-            <a:normAutofit fontScale="90000"/>
+            <a:normAutofit/>
           </a:bodyPr>
           <a:lstStyle/>
           <a:p>
-            <a:pPr algn="ctr"/>
-            <a:r>
-              <a:rPr lang="en-US" dirty="0"/>
-              <a:t>Oregon</a:t>
-            </a:r>
-            <a:br>
-              <a:rPr lang="en-US" dirty="0"/>
-            </a:br>
-            <a:r>
-              <a:rPr lang="en-US" dirty="0"/>
-              <a:t>Special Education Eligibilities: School-Age</a:t>
-            </a:r>
-          </a:p>
-        </p:txBody>
-      </p:sp>
-      <p:sp>
-        <p:nvSpPr>
-          <p:cNvPr id="3" name="TextBox 2">
-            <a:extLst>
-              <a:ext uri="{FF2B5EF4-FFF2-40B4-BE49-F238E27FC236}">
-                <a16:creationId xmlns:a16="http://schemas.microsoft.com/office/drawing/2014/main" id="{0A3B8C10-1E99-7F4F-AB47-2ED3B648A641}"/>
-              </a:ext>
-            </a:extLst>
-          </p:cNvPr>
-          <p:cNvSpPr txBox="1"/>
-          <p:nvPr/>
-        </p:nvSpPr>
-        <p:spPr>
-          <a:xfrm>
-            <a:off x="2006876" y="1478654"/>
-            <a:ext cx="8515350" cy="5539978"/>
-          </a:xfrm>
-          <a:prstGeom prst="rect">
-            <a:avLst/>
-          </a:prstGeom>
-          <a:noFill/>
-        </p:spPr>
-        <p:txBody>
-          <a:bodyPr wrap="square" rtlCol="0">
-            <a:spAutoFit/>
-          </a:bodyPr>
-          <a:lstStyle/>
-          <a:p>
-            <a:pPr algn="ctr"/>
-            <a:r>
-              <a:rPr lang="en-US" sz="2800" dirty="0"/>
-              <a:t>Developmental Delay (ages 3-5 and 5-9)</a:t>
-            </a:r>
-          </a:p>
-          <a:p>
-            <a:pPr algn="ctr"/>
-            <a:r>
-              <a:rPr lang="en-US" sz="2800" dirty="0"/>
-              <a:t>Autism Spectrum Disorder (82) </a:t>
-            </a:r>
-          </a:p>
-          <a:p>
-            <a:pPr algn="ctr"/>
-            <a:r>
-              <a:rPr lang="en-US" sz="2800" dirty="0"/>
-              <a:t>Communication Disorder (50) </a:t>
-            </a:r>
-          </a:p>
-          <a:p>
-            <a:pPr algn="ctr"/>
-            <a:r>
-              <a:rPr lang="en-US" sz="2800" dirty="0"/>
-              <a:t>Deaf-blindness (43) </a:t>
-            </a:r>
-          </a:p>
-          <a:p>
-            <a:pPr algn="ctr"/>
-            <a:r>
-              <a:rPr lang="en-US" sz="2800" dirty="0"/>
-              <a:t>Emotional Disturbance (60) </a:t>
-            </a:r>
-          </a:p>
-          <a:p>
-            <a:pPr algn="ctr"/>
-            <a:r>
-              <a:rPr lang="en-US" sz="2800" dirty="0"/>
-              <a:t>Hearing Impairment (20) </a:t>
-            </a:r>
-          </a:p>
-          <a:p>
-            <a:pPr algn="ctr"/>
-            <a:r>
-              <a:rPr lang="en-US" sz="2800" dirty="0"/>
-              <a:t>Intellectual Disability (10) </a:t>
-            </a:r>
-          </a:p>
-          <a:p>
-            <a:pPr algn="ctr"/>
-            <a:r>
-              <a:rPr lang="en-US" sz="2800" dirty="0"/>
-              <a:t>Orthopedic Impairment (70) </a:t>
-            </a:r>
-          </a:p>
-          <a:p>
-            <a:pPr algn="ctr"/>
-            <a:r>
-              <a:rPr lang="en-US" sz="2800" dirty="0"/>
-              <a:t>Other Health Impairment (80) </a:t>
-            </a:r>
-          </a:p>
-          <a:p>
-            <a:pPr algn="ctr"/>
-            <a:r>
-              <a:rPr lang="en-US" sz="2800" dirty="0"/>
-              <a:t>Specific Learning Disability (90) </a:t>
-            </a:r>
-          </a:p>
-          <a:p>
-            <a:pPr algn="ctr"/>
-            <a:r>
-              <a:rPr lang="en-US" sz="2800" dirty="0"/>
-              <a:t>Traumatic Brain Injury (74) </a:t>
-            </a:r>
-          </a:p>
-          <a:p>
-            <a:pPr algn="ctr"/>
-            <a:r>
-              <a:rPr lang="en-US" sz="2800" dirty="0"/>
-              <a:t>Vision Impairment (40)</a:t>
-            </a:r>
-          </a:p>
-          <a:p>
-            <a:endParaRPr lang="en-US" dirty="0"/>
+            <a:r>
+              <a:rPr lang="en-US" sz="2400" dirty="0"/>
+              <a:t>What is Matthew’s communication diagnosis?  Is it </a:t>
+            </a:r>
+            <a:r>
+              <a:rPr lang="en-US" sz="2400" b="1" dirty="0">
+                <a:solidFill>
+                  <a:srgbClr val="7030A0"/>
+                </a:solidFill>
+              </a:rPr>
+              <a:t>primary</a:t>
+            </a:r>
+            <a:r>
+              <a:rPr lang="en-US" sz="2400" dirty="0"/>
+              <a:t> or </a:t>
+            </a:r>
+            <a:r>
+              <a:rPr lang="en-US" sz="2400" b="1" dirty="0">
+                <a:solidFill>
+                  <a:srgbClr val="7030A0"/>
+                </a:solidFill>
+              </a:rPr>
+              <a:t>secondary</a:t>
+            </a:r>
+            <a:r>
+              <a:rPr lang="en-US" sz="2400" dirty="0"/>
+              <a:t>?	</a:t>
+            </a:r>
+          </a:p>
+          <a:p>
+            <a:r>
+              <a:rPr lang="en-US" sz="2400" dirty="0"/>
+              <a:t>Do you think Matthew needs additional therapy (above what he is receiving at Early Childhood CARES)?  Why/ Why not?</a:t>
+            </a:r>
+          </a:p>
+          <a:p>
+            <a:r>
+              <a:rPr lang="en-US" sz="2400" dirty="0"/>
+              <a:t>What skills would you, as Matthew’s SLP, want to target in therapy?  What would would be the goals of your therapy (you don’t need to write them in goal format- we’ll do that next week)</a:t>
+            </a:r>
+          </a:p>
+          <a:p>
+            <a:r>
+              <a:rPr lang="en-US" sz="2400" dirty="0"/>
+              <a:t>What else do you want to keep in mind as you plan Matthew’s treatment?</a:t>
+            </a:r>
           </a:p>
         </p:txBody>
       </p:sp>
     </p:spTree>
     <p:extLst>
       <p:ext uri="{BB962C8B-B14F-4D97-AF65-F5344CB8AC3E}">
-        <p14:creationId xmlns:p14="http://schemas.microsoft.com/office/powerpoint/2010/main" val="2075188700"/>
+        <p14:creationId xmlns:p14="http://schemas.microsoft.com/office/powerpoint/2010/main" val="950261008"/>
       </p:ext>
     </p:extLst>
   </p:cSld>
